--- a/StoryBoards.pptx
+++ b/StoryBoards.pptx
@@ -3429,52 +3429,102 @@
           <a:chExt cx="0" cy="0"/>
         </a:xfrm>
       </p:grpSpPr>
-      <p:sp>
-        <p:nvSpPr>
-          <p:cNvPr id="7" name="Rectangle: Rounded Corners 6">
-            <a:extLst>
-              <a:ext uri="{FF2B5EF4-FFF2-40B4-BE49-F238E27FC236}">
-                <a16:creationId xmlns:a16="http://schemas.microsoft.com/office/drawing/2014/main" id="{BD2CC2CF-085E-4E79-BD32-B0854D6C91D6}"/>
-              </a:ext>
-            </a:extLst>
-          </p:cNvPr>
-          <p:cNvSpPr/>
+      <p:grpSp>
+        <p:nvGrpSpPr>
+          <p:cNvPr id="20" name="Group 19">
+            <a:extLst>
+              <a:ext uri="{FF2B5EF4-FFF2-40B4-BE49-F238E27FC236}">
+                <a16:creationId xmlns:a16="http://schemas.microsoft.com/office/drawing/2014/main" id="{40A82DBF-9282-4E74-B2B1-9178ACBBB9F1}"/>
+              </a:ext>
+            </a:extLst>
+          </p:cNvPr>
+          <p:cNvGrpSpPr/>
           <p:nvPr/>
-        </p:nvSpPr>
-        <p:spPr>
-          <a:xfrm rot="5400000">
-            <a:off x="2325139" y="35800"/>
-            <a:ext cx="1752600" cy="3357398"/>
+        </p:nvGrpSpPr>
+        <p:grpSpPr>
+          <a:xfrm>
+            <a:off x="329565" y="407671"/>
+            <a:ext cx="5364480" cy="2514600"/>
+            <a:chOff x="329565" y="407671"/>
+            <a:chExt cx="5364480" cy="2514600"/>
           </a:xfrm>
-          <a:prstGeom prst="roundRect">
-            <a:avLst>
-              <a:gd name="adj" fmla="val 9137"/>
-            </a:avLst>
-          </a:prstGeom>
-        </p:spPr>
-        <p:style>
-          <a:lnRef idx="0">
-            <a:schemeClr val="dk1"/>
-          </a:lnRef>
-          <a:fillRef idx="3">
-            <a:schemeClr val="dk1"/>
-          </a:fillRef>
-          <a:effectRef idx="3">
-            <a:schemeClr val="dk1"/>
-          </a:effectRef>
-          <a:fontRef idx="minor">
-            <a:schemeClr val="lt1"/>
-          </a:fontRef>
-        </p:style>
-        <p:txBody>
-          <a:bodyPr rtlCol="0" anchor="ctr"/>
-          <a:lstStyle/>
-          <a:p>
-            <a:pPr algn="ctr"/>
-            <a:endParaRPr lang="en-US"/>
-          </a:p>
-        </p:txBody>
-      </p:sp>
+        </p:grpSpPr>
+        <p:pic>
+          <p:nvPicPr>
+            <p:cNvPr id="5" name="Picture 4" descr="A picture containing chart&#10;&#10;Description automatically generated">
+              <a:extLst>
+                <a:ext uri="{FF2B5EF4-FFF2-40B4-BE49-F238E27FC236}">
+                  <a16:creationId xmlns:a16="http://schemas.microsoft.com/office/drawing/2014/main" id="{62B723A0-1729-4097-A877-5DD8FDCDAF47}"/>
+                </a:ext>
+              </a:extLst>
+            </p:cNvPr>
+            <p:cNvPicPr>
+              <a:picLocks noChangeAspect="1"/>
+            </p:cNvPicPr>
+            <p:nvPr/>
+          </p:nvPicPr>
+          <p:blipFill>
+            <a:blip r:embed="rId2">
+              <a:extLst>
+                <a:ext uri="{28A0092B-C50C-407E-A947-70E740481C1C}">
+                  <a14:useLocalDpi xmlns:a14="http://schemas.microsoft.com/office/drawing/2010/main" val="0"/>
+                </a:ext>
+              </a:extLst>
+            </a:blip>
+            <a:stretch>
+              <a:fillRect/>
+            </a:stretch>
+          </p:blipFill>
+          <p:spPr>
+            <a:xfrm>
+              <a:off x="685800" y="533401"/>
+              <a:ext cx="4652010" cy="2263140"/>
+            </a:xfrm>
+            <a:prstGeom prst="rect">
+              <a:avLst/>
+            </a:prstGeom>
+          </p:spPr>
+        </p:pic>
+        <p:pic>
+          <p:nvPicPr>
+            <p:cNvPr id="3" name="Graphic 2">
+              <a:extLst>
+                <a:ext uri="{FF2B5EF4-FFF2-40B4-BE49-F238E27FC236}">
+                  <a16:creationId xmlns:a16="http://schemas.microsoft.com/office/drawing/2014/main" id="{225F3F8E-6EF7-4A1F-A544-3F9675F6C40B}"/>
+                </a:ext>
+              </a:extLst>
+            </p:cNvPr>
+            <p:cNvPicPr>
+              <a:picLocks noChangeAspect="1"/>
+            </p:cNvPicPr>
+            <p:nvPr/>
+          </p:nvPicPr>
+          <p:blipFill>
+            <a:blip r:embed="rId3">
+              <a:extLst>
+                <a:ext uri="{28A0092B-C50C-407E-A947-70E740481C1C}">
+                  <a14:useLocalDpi xmlns:a14="http://schemas.microsoft.com/office/drawing/2010/main" val="0"/>
+                </a:ext>
+                <a:ext uri="{96DAC541-7B7A-43D3-8B79-37D633B846F1}">
+                  <asvg:svgBlip xmlns:asvg="http://schemas.microsoft.com/office/drawing/2016/SVG/main" r:embed="rId4"/>
+                </a:ext>
+              </a:extLst>
+            </a:blip>
+            <a:stretch>
+              <a:fillRect/>
+            </a:stretch>
+          </p:blipFill>
+          <p:spPr>
+            <a:xfrm>
+              <a:off x="329565" y="407671"/>
+              <a:ext cx="5364480" cy="2514600"/>
+            </a:xfrm>
+            <a:prstGeom prst="rect">
+              <a:avLst/>
+            </a:prstGeom>
+          </p:spPr>
+        </p:pic>
+      </p:grpSp>
       <p:pic>
         <p:nvPicPr>
           <p:cNvPr id="10" name="Picture 9" descr="Graphical user interface, text, application, chat or text message&#10;&#10;Description automatically generated">
@@ -3490,7 +3540,7 @@
           <p:nvPr/>
         </p:nvPicPr>
         <p:blipFill>
-          <a:blip r:embed="rId2">
+          <a:blip r:embed="rId5">
             <a:extLst>
               <a:ext uri="{28A0092B-C50C-407E-A947-70E740481C1C}">
                 <a14:useLocalDpi xmlns:a14="http://schemas.microsoft.com/office/drawing/2010/main" val="0"/>
@@ -3513,78 +3563,66 @@
       </p:pic>
       <p:grpSp>
         <p:nvGrpSpPr>
-          <p:cNvPr id="18" name="Group 17">
-            <a:extLst>
-              <a:ext uri="{FF2B5EF4-FFF2-40B4-BE49-F238E27FC236}">
-                <a16:creationId xmlns:a16="http://schemas.microsoft.com/office/drawing/2014/main" id="{29F92861-639F-403A-869B-C554095A9725}"/>
-              </a:ext>
-            </a:extLst>
-          </p:cNvPr>
-          <p:cNvGrpSpPr>
-            <a:grpSpLocks noChangeAspect="1"/>
-          </p:cNvGrpSpPr>
+          <p:cNvPr id="21" name="Group 20">
+            <a:extLst>
+              <a:ext uri="{FF2B5EF4-FFF2-40B4-BE49-F238E27FC236}">
+                <a16:creationId xmlns:a16="http://schemas.microsoft.com/office/drawing/2014/main" id="{C8CAA899-53EF-4D1A-BE29-057C4385B6C7}"/>
+              </a:ext>
+            </a:extLst>
+          </p:cNvPr>
+          <p:cNvGrpSpPr/>
           <p:nvPr/>
         </p:nvGrpSpPr>
         <p:grpSpPr>
           <a:xfrm>
-            <a:off x="6333769" y="304800"/>
-            <a:ext cx="5401031" cy="2819400"/>
-            <a:chOff x="7696200" y="533400"/>
-            <a:chExt cx="3357398" cy="1752600"/>
+            <a:off x="6244039" y="407671"/>
+            <a:ext cx="5364480" cy="2514600"/>
+            <a:chOff x="6244039" y="407671"/>
+            <a:chExt cx="5364480" cy="2514600"/>
           </a:xfrm>
         </p:grpSpPr>
-        <p:sp>
-          <p:nvSpPr>
-            <p:cNvPr id="11" name="Rectangle: Rounded Corners 10">
+        <p:pic>
+          <p:nvPicPr>
+            <p:cNvPr id="8" name="Picture 7" descr="Graphical user interface, text, application, email&#10;&#10;Description automatically generated">
               <a:extLst>
                 <a:ext uri="{FF2B5EF4-FFF2-40B4-BE49-F238E27FC236}">
-                  <a16:creationId xmlns:a16="http://schemas.microsoft.com/office/drawing/2014/main" id="{6D6EAD61-838A-46F4-8189-238565FB629D}"/>
+                  <a16:creationId xmlns:a16="http://schemas.microsoft.com/office/drawing/2014/main" id="{980E9702-F538-4E6B-BC4D-A2C9838AB9A5}"/>
                 </a:ext>
               </a:extLst>
             </p:cNvPr>
-            <p:cNvSpPr/>
+            <p:cNvPicPr>
+              <a:picLocks noChangeAspect="1"/>
+            </p:cNvPicPr>
             <p:nvPr/>
-          </p:nvSpPr>
+          </p:nvPicPr>
+          <p:blipFill>
+            <a:blip r:embed="rId6">
+              <a:extLst>
+                <a:ext uri="{28A0092B-C50C-407E-A947-70E740481C1C}">
+                  <a14:useLocalDpi xmlns:a14="http://schemas.microsoft.com/office/drawing/2010/main" val="0"/>
+                </a:ext>
+              </a:extLst>
+            </a:blip>
+            <a:stretch>
+              <a:fillRect/>
+            </a:stretch>
+          </p:blipFill>
           <p:spPr>
-            <a:xfrm rot="5400000">
-              <a:off x="8498599" y="-268999"/>
-              <a:ext cx="1752600" cy="3357398"/>
+            <a:xfrm>
+              <a:off x="6600274" y="533401"/>
+              <a:ext cx="4652010" cy="2263140"/>
             </a:xfrm>
-            <a:prstGeom prst="roundRect">
-              <a:avLst>
-                <a:gd name="adj" fmla="val 9137"/>
-              </a:avLst>
+            <a:prstGeom prst="rect">
+              <a:avLst/>
             </a:prstGeom>
           </p:spPr>
-          <p:style>
-            <a:lnRef idx="0">
-              <a:schemeClr val="dk1"/>
-            </a:lnRef>
-            <a:fillRef idx="3">
-              <a:schemeClr val="dk1"/>
-            </a:fillRef>
-            <a:effectRef idx="3">
-              <a:schemeClr val="dk1"/>
-            </a:effectRef>
-            <a:fontRef idx="minor">
-              <a:schemeClr val="lt1"/>
-            </a:fontRef>
-          </p:style>
-          <p:txBody>
-            <a:bodyPr rtlCol="0" anchor="ctr"/>
-            <a:lstStyle/>
-            <a:p>
-              <a:pPr algn="ctr"/>
-              <a:endParaRPr lang="en-US"/>
-            </a:p>
-          </p:txBody>
-        </p:sp>
+        </p:pic>
         <p:pic>
           <p:nvPicPr>
-            <p:cNvPr id="13" name="Picture 12" descr="Graphical user interface, text, application, email&#10;&#10;Description automatically generated">
+            <p:cNvPr id="15" name="Graphic 14">
               <a:extLst>
                 <a:ext uri="{FF2B5EF4-FFF2-40B4-BE49-F238E27FC236}">
-                  <a16:creationId xmlns:a16="http://schemas.microsoft.com/office/drawing/2014/main" id="{727A1D26-11EB-48B6-AD58-D44D3AC91895}"/>
+                  <a16:creationId xmlns:a16="http://schemas.microsoft.com/office/drawing/2014/main" id="{32AE6363-A195-4AB1-AC03-88F3F009D708}"/>
                 </a:ext>
               </a:extLst>
             </p:cNvPr>
@@ -3599,6 +3637,9 @@
                 <a:ext uri="{28A0092B-C50C-407E-A947-70E740481C1C}">
                   <a14:useLocalDpi xmlns:a14="http://schemas.microsoft.com/office/drawing/2010/main" val="0"/>
                 </a:ext>
+                <a:ext uri="{96DAC541-7B7A-43D3-8B79-37D633B846F1}">
+                  <asvg:svgBlip xmlns:asvg="http://schemas.microsoft.com/office/drawing/2016/SVG/main" r:embed="rId4"/>
+                </a:ext>
               </a:extLst>
             </a:blip>
             <a:stretch>
@@ -3607,8 +3648,8 @@
           </p:blipFill>
           <p:spPr>
             <a:xfrm>
-              <a:off x="7774699" y="651711"/>
-              <a:ext cx="3200400" cy="1515979"/>
+              <a:off x="6244039" y="407671"/>
+              <a:ext cx="5364480" cy="2514600"/>
             </a:xfrm>
             <a:prstGeom prst="rect">
               <a:avLst/>
@@ -3618,78 +3659,30 @@
       </p:grpSp>
       <p:grpSp>
         <p:nvGrpSpPr>
-          <p:cNvPr id="17" name="Group 16">
-            <a:extLst>
-              <a:ext uri="{FF2B5EF4-FFF2-40B4-BE49-F238E27FC236}">
-                <a16:creationId xmlns:a16="http://schemas.microsoft.com/office/drawing/2014/main" id="{5136AA98-FE21-4D9F-976A-CE1DC47EE886}"/>
-              </a:ext>
-            </a:extLst>
-          </p:cNvPr>
-          <p:cNvGrpSpPr>
-            <a:grpSpLocks noChangeAspect="1"/>
-          </p:cNvGrpSpPr>
+          <p:cNvPr id="22" name="Group 21">
+            <a:extLst>
+              <a:ext uri="{FF2B5EF4-FFF2-40B4-BE49-F238E27FC236}">
+                <a16:creationId xmlns:a16="http://schemas.microsoft.com/office/drawing/2014/main" id="{4AB8EF7A-C9C1-4167-8989-B047745A374D}"/>
+              </a:ext>
+            </a:extLst>
+          </p:cNvPr>
+          <p:cNvGrpSpPr/>
           <p:nvPr/>
         </p:nvGrpSpPr>
         <p:grpSpPr>
           <a:xfrm>
-            <a:off x="6333767" y="3543473"/>
-            <a:ext cx="5401033" cy="2819401"/>
-            <a:chOff x="7606384" y="3400932"/>
-            <a:chExt cx="3357398" cy="1752600"/>
+            <a:off x="6244039" y="3609975"/>
+            <a:ext cx="5364480" cy="2514600"/>
+            <a:chOff x="6244039" y="3609975"/>
+            <a:chExt cx="5364480" cy="2514600"/>
           </a:xfrm>
         </p:grpSpPr>
-        <p:sp>
-          <p:nvSpPr>
-            <p:cNvPr id="14" name="Rectangle: Rounded Corners 13">
+        <p:pic>
+          <p:nvPicPr>
+            <p:cNvPr id="12" name="Picture 11" descr="A picture containing chart&#10;&#10;Description automatically generated">
               <a:extLst>
                 <a:ext uri="{FF2B5EF4-FFF2-40B4-BE49-F238E27FC236}">
-                  <a16:creationId xmlns:a16="http://schemas.microsoft.com/office/drawing/2014/main" id="{423F528E-632A-4A3D-89B0-E92169C43FE7}"/>
-                </a:ext>
-              </a:extLst>
-            </p:cNvPr>
-            <p:cNvSpPr/>
-            <p:nvPr/>
-          </p:nvSpPr>
-          <p:spPr>
-            <a:xfrm rot="5400000">
-              <a:off x="8408783" y="2598533"/>
-              <a:ext cx="1752600" cy="3357398"/>
-            </a:xfrm>
-            <a:prstGeom prst="roundRect">
-              <a:avLst>
-                <a:gd name="adj" fmla="val 9137"/>
-              </a:avLst>
-            </a:prstGeom>
-          </p:spPr>
-          <p:style>
-            <a:lnRef idx="0">
-              <a:schemeClr val="dk1"/>
-            </a:lnRef>
-            <a:fillRef idx="3">
-              <a:schemeClr val="dk1"/>
-            </a:fillRef>
-            <a:effectRef idx="3">
-              <a:schemeClr val="dk1"/>
-            </a:effectRef>
-            <a:fontRef idx="minor">
-              <a:schemeClr val="lt1"/>
-            </a:fontRef>
-          </p:style>
-          <p:txBody>
-            <a:bodyPr rtlCol="0" anchor="ctr"/>
-            <a:lstStyle/>
-            <a:p>
-              <a:pPr algn="ctr"/>
-              <a:endParaRPr lang="en-US"/>
-            </a:p>
-          </p:txBody>
-        </p:sp>
-        <p:pic>
-          <p:nvPicPr>
-            <p:cNvPr id="16" name="Picture 15" descr="A picture containing table&#10;&#10;Description automatically generated">
-              <a:extLst>
-                <a:ext uri="{FF2B5EF4-FFF2-40B4-BE49-F238E27FC236}">
-                  <a16:creationId xmlns:a16="http://schemas.microsoft.com/office/drawing/2014/main" id="{F9485894-10C4-434A-AB5B-765BAABD79A0}"/>
+                  <a16:creationId xmlns:a16="http://schemas.microsoft.com/office/drawing/2014/main" id="{21F93F28-C0A2-4050-9B97-86CAC773A534}"/>
                 </a:ext>
               </a:extLst>
             </p:cNvPr>
@@ -3699,7 +3692,7 @@
             <p:nvPr/>
           </p:nvPicPr>
           <p:blipFill>
-            <a:blip r:embed="rId4">
+            <a:blip r:embed="rId7">
               <a:extLst>
                 <a:ext uri="{28A0092B-C50C-407E-A947-70E740481C1C}">
                   <a14:useLocalDpi xmlns:a14="http://schemas.microsoft.com/office/drawing/2010/main" val="0"/>
@@ -3712,8 +3705,47 @@
           </p:blipFill>
           <p:spPr>
             <a:xfrm>
-              <a:off x="7684883" y="3519243"/>
-              <a:ext cx="3200400" cy="1515979"/>
+              <a:off x="6596548" y="3733800"/>
+              <a:ext cx="4652010" cy="2263140"/>
+            </a:xfrm>
+            <a:prstGeom prst="rect">
+              <a:avLst/>
+            </a:prstGeom>
+          </p:spPr>
+        </p:pic>
+        <p:pic>
+          <p:nvPicPr>
+            <p:cNvPr id="19" name="Graphic 18">
+              <a:extLst>
+                <a:ext uri="{FF2B5EF4-FFF2-40B4-BE49-F238E27FC236}">
+                  <a16:creationId xmlns:a16="http://schemas.microsoft.com/office/drawing/2014/main" id="{D8FAE7B6-3E2C-4F9D-A135-D3D4731A913D}"/>
+                </a:ext>
+              </a:extLst>
+            </p:cNvPr>
+            <p:cNvPicPr>
+              <a:picLocks noChangeAspect="1"/>
+            </p:cNvPicPr>
+            <p:nvPr/>
+          </p:nvPicPr>
+          <p:blipFill>
+            <a:blip r:embed="rId3">
+              <a:extLst>
+                <a:ext uri="{28A0092B-C50C-407E-A947-70E740481C1C}">
+                  <a14:useLocalDpi xmlns:a14="http://schemas.microsoft.com/office/drawing/2010/main" val="0"/>
+                </a:ext>
+                <a:ext uri="{96DAC541-7B7A-43D3-8B79-37D633B846F1}">
+                  <asvg:svgBlip xmlns:asvg="http://schemas.microsoft.com/office/drawing/2016/SVG/main" r:embed="rId4"/>
+                </a:ext>
+              </a:extLst>
+            </a:blip>
+            <a:stretch>
+              <a:fillRect/>
+            </a:stretch>
+          </p:blipFill>
+          <p:spPr>
+            <a:xfrm>
+              <a:off x="6244039" y="3609975"/>
+              <a:ext cx="5364480" cy="2514600"/>
             </a:xfrm>
             <a:prstGeom prst="rect">
               <a:avLst/>
@@ -3871,126 +3903,32 @@
           </p:txBody>
         </p:sp>
       </p:grpSp>
-      <p:sp>
-        <p:nvSpPr>
-          <p:cNvPr id="15" name="Rectangle: Rounded Corners 14">
-            <a:extLst>
-              <a:ext uri="{FF2B5EF4-FFF2-40B4-BE49-F238E27FC236}">
-                <a16:creationId xmlns:a16="http://schemas.microsoft.com/office/drawing/2014/main" id="{D1D4D270-3140-4348-84F5-9A39DABB167B}"/>
-              </a:ext>
-            </a:extLst>
-          </p:cNvPr>
-          <p:cNvSpPr/>
-          <p:nvPr/>
-        </p:nvSpPr>
-        <p:spPr>
-          <a:xfrm>
-            <a:off x="8684512" y="2895078"/>
-            <a:ext cx="1752600" cy="3357398"/>
-          </a:xfrm>
-          <a:prstGeom prst="roundRect">
-            <a:avLst>
-              <a:gd name="adj" fmla="val 9137"/>
-            </a:avLst>
-          </a:prstGeom>
-        </p:spPr>
-        <p:style>
-          <a:lnRef idx="0">
-            <a:schemeClr val="dk1"/>
-          </a:lnRef>
-          <a:fillRef idx="3">
-            <a:schemeClr val="dk1"/>
-          </a:fillRef>
-          <a:effectRef idx="3">
-            <a:schemeClr val="dk1"/>
-          </a:effectRef>
-          <a:fontRef idx="minor">
-            <a:schemeClr val="lt1"/>
-          </a:fontRef>
-        </p:style>
-        <p:txBody>
-          <a:bodyPr rtlCol="0" anchor="ctr"/>
-          <a:lstStyle/>
-          <a:p>
-            <a:pPr algn="ctr"/>
-            <a:endParaRPr lang="en-US"/>
-          </a:p>
-        </p:txBody>
-      </p:sp>
       <p:grpSp>
         <p:nvGrpSpPr>
-          <p:cNvPr id="19" name="Group 18">
-            <a:extLst>
-              <a:ext uri="{FF2B5EF4-FFF2-40B4-BE49-F238E27FC236}">
-                <a16:creationId xmlns:a16="http://schemas.microsoft.com/office/drawing/2014/main" id="{C296ED2F-CF6F-4E62-BEAB-7A625C970AED}"/>
-              </a:ext>
-            </a:extLst>
-          </p:cNvPr>
-          <p:cNvGrpSpPr>
-            <a:grpSpLocks noChangeAspect="1"/>
-          </p:cNvGrpSpPr>
+          <p:cNvPr id="23" name="Group 22">
+            <a:extLst>
+              <a:ext uri="{FF2B5EF4-FFF2-40B4-BE49-F238E27FC236}">
+                <a16:creationId xmlns:a16="http://schemas.microsoft.com/office/drawing/2014/main" id="{3EF2933E-295B-4D2E-8FF7-161C17589264}"/>
+              </a:ext>
+            </a:extLst>
+          </p:cNvPr>
+          <p:cNvGrpSpPr/>
           <p:nvPr/>
         </p:nvGrpSpPr>
         <p:grpSpPr>
           <a:xfrm>
-            <a:off x="5219700" y="2895078"/>
-            <a:ext cx="1752600" cy="3357398"/>
-            <a:chOff x="5219700" y="2895078"/>
-            <a:chExt cx="1752600" cy="3357398"/>
+            <a:off x="1829442" y="2971800"/>
+            <a:ext cx="1600200" cy="3413760"/>
+            <a:chOff x="1829442" y="2971800"/>
+            <a:chExt cx="1600200" cy="3413760"/>
           </a:xfrm>
         </p:grpSpPr>
-        <p:sp>
-          <p:nvSpPr>
-            <p:cNvPr id="14" name="Rectangle: Rounded Corners 13">
+        <p:pic>
+          <p:nvPicPr>
+            <p:cNvPr id="3" name="Graphic 2">
               <a:extLst>
                 <a:ext uri="{FF2B5EF4-FFF2-40B4-BE49-F238E27FC236}">
-                  <a16:creationId xmlns:a16="http://schemas.microsoft.com/office/drawing/2014/main" id="{918FB17D-1920-45D3-B371-445746E578AF}"/>
-                </a:ext>
-              </a:extLst>
-            </p:cNvPr>
-            <p:cNvSpPr/>
-            <p:nvPr/>
-          </p:nvSpPr>
-          <p:spPr>
-            <a:xfrm>
-              <a:off x="5219700" y="2895078"/>
-              <a:ext cx="1752600" cy="3357398"/>
-            </a:xfrm>
-            <a:prstGeom prst="roundRect">
-              <a:avLst>
-                <a:gd name="adj" fmla="val 9137"/>
-              </a:avLst>
-            </a:prstGeom>
-          </p:spPr>
-          <p:style>
-            <a:lnRef idx="0">
-              <a:schemeClr val="dk1"/>
-            </a:lnRef>
-            <a:fillRef idx="3">
-              <a:schemeClr val="dk1"/>
-            </a:fillRef>
-            <a:effectRef idx="3">
-              <a:schemeClr val="dk1"/>
-            </a:effectRef>
-            <a:fontRef idx="minor">
-              <a:schemeClr val="lt1"/>
-            </a:fontRef>
-          </p:style>
-          <p:txBody>
-            <a:bodyPr rtlCol="0" anchor="ctr"/>
-            <a:lstStyle/>
-            <a:p>
-              <a:pPr algn="ctr"/>
-              <a:endParaRPr lang="en-US"/>
-            </a:p>
-          </p:txBody>
-        </p:sp>
-        <p:pic>
-          <p:nvPicPr>
-            <p:cNvPr id="17" name="Picture 16" descr="Graphical user interface, text, application&#10;&#10;Description automatically generated">
-              <a:extLst>
-                <a:ext uri="{FF2B5EF4-FFF2-40B4-BE49-F238E27FC236}">
-                  <a16:creationId xmlns:a16="http://schemas.microsoft.com/office/drawing/2014/main" id="{69ACB3F4-9B29-44E3-9833-170C7D598F0F}"/>
+                  <a16:creationId xmlns:a16="http://schemas.microsoft.com/office/drawing/2014/main" id="{8928A38D-859F-4CAD-9538-9581D48FC082}"/>
                 </a:ext>
               </a:extLst>
             </p:cNvPr>
@@ -4005,6 +3943,9 @@
                 <a:ext uri="{28A0092B-C50C-407E-A947-70E740481C1C}">
                   <a14:useLocalDpi xmlns:a14="http://schemas.microsoft.com/office/drawing/2010/main" val="0"/>
                 </a:ext>
+                <a:ext uri="{96DAC541-7B7A-43D3-8B79-37D633B846F1}">
+                  <asvg:svgBlip xmlns:asvg="http://schemas.microsoft.com/office/drawing/2016/SVG/main" r:embed="rId4"/>
+                </a:ext>
               </a:extLst>
             </a:blip>
             <a:stretch>
@@ -4013,135 +3954,20 @@
           </p:blipFill>
           <p:spPr>
             <a:xfrm>
-              <a:off x="5338011" y="2973577"/>
-              <a:ext cx="1515979" cy="3200400"/>
+              <a:off x="1829442" y="2971800"/>
+              <a:ext cx="1600200" cy="3413760"/>
             </a:xfrm>
             <a:prstGeom prst="rect">
               <a:avLst/>
             </a:prstGeom>
           </p:spPr>
         </p:pic>
-      </p:grpSp>
-      <p:grpSp>
-        <p:nvGrpSpPr>
-          <p:cNvPr id="22" name="Group 21">
-            <a:extLst>
-              <a:ext uri="{FF2B5EF4-FFF2-40B4-BE49-F238E27FC236}">
-                <a16:creationId xmlns:a16="http://schemas.microsoft.com/office/drawing/2014/main" id="{B244B218-19FD-4C1B-851F-75C7110E506A}"/>
-              </a:ext>
-            </a:extLst>
-          </p:cNvPr>
-          <p:cNvGrpSpPr/>
-          <p:nvPr/>
-        </p:nvGrpSpPr>
-        <p:grpSpPr>
-          <a:xfrm>
-            <a:off x="1754888" y="2895078"/>
-            <a:ext cx="1752600" cy="3729821"/>
-            <a:chOff x="1754888" y="2895078"/>
-            <a:chExt cx="1752600" cy="3729821"/>
-          </a:xfrm>
-        </p:grpSpPr>
-        <p:sp>
-          <p:nvSpPr>
-            <p:cNvPr id="13" name="Rectangle: Rounded Corners 12">
+        <p:pic>
+          <p:nvPicPr>
+            <p:cNvPr id="5" name="Picture 4" descr="Graphical user interface, text, application&#10;&#10;Description automatically generated">
               <a:extLst>
                 <a:ext uri="{FF2B5EF4-FFF2-40B4-BE49-F238E27FC236}">
-                  <a16:creationId xmlns:a16="http://schemas.microsoft.com/office/drawing/2014/main" id="{B296516D-8F9A-4E7B-8890-3E7A87B0B03E}"/>
-                </a:ext>
-              </a:extLst>
-            </p:cNvPr>
-            <p:cNvSpPr/>
-            <p:nvPr/>
-          </p:nvSpPr>
-          <p:spPr>
-            <a:xfrm>
-              <a:off x="1754888" y="2895078"/>
-              <a:ext cx="1752600" cy="3357398"/>
-            </a:xfrm>
-            <a:prstGeom prst="roundRect">
-              <a:avLst>
-                <a:gd name="adj" fmla="val 9137"/>
-              </a:avLst>
-            </a:prstGeom>
-          </p:spPr>
-          <p:style>
-            <a:lnRef idx="0">
-              <a:schemeClr val="dk1"/>
-            </a:lnRef>
-            <a:fillRef idx="3">
-              <a:schemeClr val="dk1"/>
-            </a:fillRef>
-            <a:effectRef idx="3">
-              <a:schemeClr val="dk1"/>
-            </a:effectRef>
-            <a:fontRef idx="minor">
-              <a:schemeClr val="lt1"/>
-            </a:fontRef>
-          </p:style>
-          <p:txBody>
-            <a:bodyPr rtlCol="0" anchor="ctr"/>
-            <a:lstStyle/>
-            <a:p>
-              <a:pPr algn="ctr"/>
-              <a:endParaRPr lang="en-US"/>
-            </a:p>
-          </p:txBody>
-        </p:sp>
-        <p:sp>
-          <p:nvSpPr>
-            <p:cNvPr id="12" name="TextBox 11">
-              <a:extLst>
-                <a:ext uri="{FF2B5EF4-FFF2-40B4-BE49-F238E27FC236}">
-                  <a16:creationId xmlns:a16="http://schemas.microsoft.com/office/drawing/2014/main" id="{DF9D08CD-40C3-4FE0-904C-8A0ED08BAEB2}"/>
-                </a:ext>
-              </a:extLst>
-            </p:cNvPr>
-            <p:cNvSpPr txBox="1"/>
-            <p:nvPr/>
-          </p:nvSpPr>
-          <p:spPr>
-            <a:xfrm>
-              <a:off x="1977323" y="6255567"/>
-              <a:ext cx="1307730" cy="369332"/>
-            </a:xfrm>
-            <a:prstGeom prst="rect">
-              <a:avLst/>
-            </a:prstGeom>
-          </p:spPr>
-          <p:style>
-            <a:lnRef idx="0">
-              <a:schemeClr val="accent3"/>
-            </a:lnRef>
-            <a:fillRef idx="3">
-              <a:schemeClr val="accent3"/>
-            </a:fillRef>
-            <a:effectRef idx="3">
-              <a:schemeClr val="accent3"/>
-            </a:effectRef>
-            <a:fontRef idx="minor">
-              <a:schemeClr val="lt1"/>
-            </a:fontRef>
-          </p:style>
-          <p:txBody>
-            <a:bodyPr wrap="none" rtlCol="0">
-              <a:spAutoFit/>
-            </a:bodyPr>
-            <a:lstStyle/>
-            <a:p>
-              <a:r>
-                <a:rPr lang="en-US" dirty="0"/>
-                <a:t>Term Listing</a:t>
-              </a:r>
-            </a:p>
-          </p:txBody>
-        </p:sp>
-        <p:pic>
-          <p:nvPicPr>
-            <p:cNvPr id="21" name="Picture 20" descr="Graphical user interface, text&#10;&#10;Description automatically generated">
-              <a:extLst>
-                <a:ext uri="{FF2B5EF4-FFF2-40B4-BE49-F238E27FC236}">
-                  <a16:creationId xmlns:a16="http://schemas.microsoft.com/office/drawing/2014/main" id="{463C6F4F-C60A-4F3B-AEDA-90DD656E4565}"/>
+                  <a16:creationId xmlns:a16="http://schemas.microsoft.com/office/drawing/2014/main" id="{322B197F-49C1-4FA3-AF80-021A59EC95A5}"/>
                 </a:ext>
               </a:extLst>
             </p:cNvPr>
@@ -4151,7 +3977,7 @@
             <p:nvPr/>
           </p:nvPicPr>
           <p:blipFill>
-            <a:blip r:embed="rId4">
+            <a:blip r:embed="rId5">
               <a:extLst>
                 <a:ext uri="{28A0092B-C50C-407E-A947-70E740481C1C}">
                   <a14:useLocalDpi xmlns:a14="http://schemas.microsoft.com/office/drawing/2010/main" val="0"/>
@@ -4164,8 +3990,200 @@
           </p:blipFill>
           <p:spPr>
             <a:xfrm>
-              <a:off x="1873198" y="2974363"/>
-              <a:ext cx="1515979" cy="3200400"/>
+              <a:off x="1909452" y="3198495"/>
+              <a:ext cx="1440180" cy="2960370"/>
+            </a:xfrm>
+            <a:prstGeom prst="rect">
+              <a:avLst/>
+            </a:prstGeom>
+          </p:spPr>
+        </p:pic>
+      </p:grpSp>
+      <p:grpSp>
+        <p:nvGrpSpPr>
+          <p:cNvPr id="24" name="Group 23">
+            <a:extLst>
+              <a:ext uri="{FF2B5EF4-FFF2-40B4-BE49-F238E27FC236}">
+                <a16:creationId xmlns:a16="http://schemas.microsoft.com/office/drawing/2014/main" id="{D2F7C371-C315-4873-8D1D-40C9BCF44BEC}"/>
+              </a:ext>
+            </a:extLst>
+          </p:cNvPr>
+          <p:cNvGrpSpPr/>
+          <p:nvPr/>
+        </p:nvGrpSpPr>
+        <p:grpSpPr>
+          <a:xfrm>
+            <a:off x="5289871" y="2971800"/>
+            <a:ext cx="1600200" cy="3413760"/>
+            <a:chOff x="5289871" y="2971800"/>
+            <a:chExt cx="1600200" cy="3413760"/>
+          </a:xfrm>
+        </p:grpSpPr>
+        <p:pic>
+          <p:nvPicPr>
+            <p:cNvPr id="18" name="Graphic 17">
+              <a:extLst>
+                <a:ext uri="{FF2B5EF4-FFF2-40B4-BE49-F238E27FC236}">
+                  <a16:creationId xmlns:a16="http://schemas.microsoft.com/office/drawing/2014/main" id="{2CB6B778-0944-4087-8261-DC58A0C11569}"/>
+                </a:ext>
+              </a:extLst>
+            </p:cNvPr>
+            <p:cNvPicPr>
+              <a:picLocks noChangeAspect="1"/>
+            </p:cNvPicPr>
+            <p:nvPr/>
+          </p:nvPicPr>
+          <p:blipFill>
+            <a:blip r:embed="rId3">
+              <a:extLst>
+                <a:ext uri="{28A0092B-C50C-407E-A947-70E740481C1C}">
+                  <a14:useLocalDpi xmlns:a14="http://schemas.microsoft.com/office/drawing/2010/main" val="0"/>
+                </a:ext>
+                <a:ext uri="{96DAC541-7B7A-43D3-8B79-37D633B846F1}">
+                  <asvg:svgBlip xmlns:asvg="http://schemas.microsoft.com/office/drawing/2016/SVG/main" r:embed="rId4"/>
+                </a:ext>
+              </a:extLst>
+            </a:blip>
+            <a:stretch>
+              <a:fillRect/>
+            </a:stretch>
+          </p:blipFill>
+          <p:spPr>
+            <a:xfrm>
+              <a:off x="5289871" y="2971800"/>
+              <a:ext cx="1600200" cy="3413760"/>
+            </a:xfrm>
+            <a:prstGeom prst="rect">
+              <a:avLst/>
+            </a:prstGeom>
+          </p:spPr>
+        </p:pic>
+        <p:pic>
+          <p:nvPicPr>
+            <p:cNvPr id="10" name="Picture 9" descr="Graphical user interface, text, application, email&#10;&#10;Description automatically generated">
+              <a:extLst>
+                <a:ext uri="{FF2B5EF4-FFF2-40B4-BE49-F238E27FC236}">
+                  <a16:creationId xmlns:a16="http://schemas.microsoft.com/office/drawing/2014/main" id="{C8DD6F0E-95B1-454E-AF87-9C8F8636F096}"/>
+                </a:ext>
+              </a:extLst>
+            </p:cNvPr>
+            <p:cNvPicPr>
+              <a:picLocks noChangeAspect="1"/>
+            </p:cNvPicPr>
+            <p:nvPr/>
+          </p:nvPicPr>
+          <p:blipFill>
+            <a:blip r:embed="rId6">
+              <a:extLst>
+                <a:ext uri="{28A0092B-C50C-407E-A947-70E740481C1C}">
+                  <a14:useLocalDpi xmlns:a14="http://schemas.microsoft.com/office/drawing/2010/main" val="0"/>
+                </a:ext>
+              </a:extLst>
+            </a:blip>
+            <a:stretch>
+              <a:fillRect/>
+            </a:stretch>
+          </p:blipFill>
+          <p:spPr>
+            <a:xfrm>
+              <a:off x="5369881" y="3198495"/>
+              <a:ext cx="1440180" cy="2960370"/>
+            </a:xfrm>
+            <a:prstGeom prst="rect">
+              <a:avLst/>
+            </a:prstGeom>
+          </p:spPr>
+        </p:pic>
+      </p:grpSp>
+      <p:grpSp>
+        <p:nvGrpSpPr>
+          <p:cNvPr id="25" name="Group 24">
+            <a:extLst>
+              <a:ext uri="{FF2B5EF4-FFF2-40B4-BE49-F238E27FC236}">
+                <a16:creationId xmlns:a16="http://schemas.microsoft.com/office/drawing/2014/main" id="{AFBE2C52-4C8C-4BFE-9C40-BA9551A23DB2}"/>
+              </a:ext>
+            </a:extLst>
+          </p:cNvPr>
+          <p:cNvGrpSpPr/>
+          <p:nvPr/>
+        </p:nvGrpSpPr>
+        <p:grpSpPr>
+          <a:xfrm>
+            <a:off x="8750300" y="2971800"/>
+            <a:ext cx="1600200" cy="3413760"/>
+            <a:chOff x="8750300" y="2971800"/>
+            <a:chExt cx="1600200" cy="3413760"/>
+          </a:xfrm>
+        </p:grpSpPr>
+        <p:pic>
+          <p:nvPicPr>
+            <p:cNvPr id="16" name="Graphic 15">
+              <a:extLst>
+                <a:ext uri="{FF2B5EF4-FFF2-40B4-BE49-F238E27FC236}">
+                  <a16:creationId xmlns:a16="http://schemas.microsoft.com/office/drawing/2014/main" id="{06DB88C9-DBD1-4343-B72C-E614E2B3D045}"/>
+                </a:ext>
+              </a:extLst>
+            </p:cNvPr>
+            <p:cNvPicPr>
+              <a:picLocks noChangeAspect="1"/>
+            </p:cNvPicPr>
+            <p:nvPr/>
+          </p:nvPicPr>
+          <p:blipFill>
+            <a:blip r:embed="rId3">
+              <a:extLst>
+                <a:ext uri="{28A0092B-C50C-407E-A947-70E740481C1C}">
+                  <a14:useLocalDpi xmlns:a14="http://schemas.microsoft.com/office/drawing/2010/main" val="0"/>
+                </a:ext>
+                <a:ext uri="{96DAC541-7B7A-43D3-8B79-37D633B846F1}">
+                  <asvg:svgBlip xmlns:asvg="http://schemas.microsoft.com/office/drawing/2016/SVG/main" r:embed="rId4"/>
+                </a:ext>
+              </a:extLst>
+            </a:blip>
+            <a:stretch>
+              <a:fillRect/>
+            </a:stretch>
+          </p:blipFill>
+          <p:spPr>
+            <a:xfrm>
+              <a:off x="8750300" y="2971800"/>
+              <a:ext cx="1600200" cy="3413760"/>
+            </a:xfrm>
+            <a:prstGeom prst="rect">
+              <a:avLst/>
+            </a:prstGeom>
+          </p:spPr>
+        </p:pic>
+        <p:pic>
+          <p:nvPicPr>
+            <p:cNvPr id="20" name="Picture 19" descr="A picture containing background pattern&#10;&#10;Description automatically generated">
+              <a:extLst>
+                <a:ext uri="{FF2B5EF4-FFF2-40B4-BE49-F238E27FC236}">
+                  <a16:creationId xmlns:a16="http://schemas.microsoft.com/office/drawing/2014/main" id="{54C74046-B1EF-44B0-A1B6-0FD29600595F}"/>
+                </a:ext>
+              </a:extLst>
+            </p:cNvPr>
+            <p:cNvPicPr>
+              <a:picLocks noChangeAspect="1"/>
+            </p:cNvPicPr>
+            <p:nvPr/>
+          </p:nvPicPr>
+          <p:blipFill>
+            <a:blip r:embed="rId7">
+              <a:extLst>
+                <a:ext uri="{28A0092B-C50C-407E-A947-70E740481C1C}">
+                  <a14:useLocalDpi xmlns:a14="http://schemas.microsoft.com/office/drawing/2010/main" val="0"/>
+                </a:ext>
+              </a:extLst>
+            </a:blip>
+            <a:stretch>
+              <a:fillRect/>
+            </a:stretch>
+          </p:blipFill>
+          <p:spPr>
+            <a:xfrm>
+              <a:off x="8830310" y="3198495"/>
+              <a:ext cx="1440180" cy="2960370"/>
             </a:xfrm>
             <a:prstGeom prst="rect">
               <a:avLst/>
@@ -4205,10 +4223,10 @@
       </p:grpSpPr>
       <p:pic>
         <p:nvPicPr>
-          <p:cNvPr id="3" name="Picture 2" descr="Graphical user interface, text&#10;&#10;Description automatically generated">
-            <a:extLst>
-              <a:ext uri="{FF2B5EF4-FFF2-40B4-BE49-F238E27FC236}">
-                <a16:creationId xmlns:a16="http://schemas.microsoft.com/office/drawing/2014/main" id="{52CFDF98-1235-48CE-88BE-17F5A534430D}"/>
+          <p:cNvPr id="5" name="Picture 4" descr="Graphical user interface, text, application, email&#10;&#10;Description automatically generated">
+            <a:extLst>
+              <a:ext uri="{FF2B5EF4-FFF2-40B4-BE49-F238E27FC236}">
+                <a16:creationId xmlns:a16="http://schemas.microsoft.com/office/drawing/2014/main" id="{6EF5615B-E9FB-4C0B-B8C7-635DBF80606C}"/>
               </a:ext>
             </a:extLst>
           </p:cNvPr>
@@ -4219,42 +4237,6 @@
         </p:nvPicPr>
         <p:blipFill>
           <a:blip r:embed="rId2">
-            <a:extLst>
-              <a:ext uri="{28A0092B-C50C-407E-A947-70E740481C1C}">
-                <a14:useLocalDpi xmlns:a14="http://schemas.microsoft.com/office/drawing/2010/main" val="0"/>
-              </a:ext>
-            </a:extLst>
-          </a:blip>
-          <a:stretch>
-            <a:fillRect/>
-          </a:stretch>
-        </p:blipFill>
-        <p:spPr>
-          <a:xfrm>
-            <a:off x="914400" y="457200"/>
-            <a:ext cx="1515979" cy="3200400"/>
-          </a:xfrm>
-          <a:prstGeom prst="rect">
-            <a:avLst/>
-          </a:prstGeom>
-        </p:spPr>
-      </p:pic>
-      <p:pic>
-        <p:nvPicPr>
-          <p:cNvPr id="5" name="Picture 4" descr="Graphical user interface, text, application, email&#10;&#10;Description automatically generated">
-            <a:extLst>
-              <a:ext uri="{FF2B5EF4-FFF2-40B4-BE49-F238E27FC236}">
-                <a16:creationId xmlns:a16="http://schemas.microsoft.com/office/drawing/2014/main" id="{6EF5615B-E9FB-4C0B-B8C7-635DBF80606C}"/>
-              </a:ext>
-            </a:extLst>
-          </p:cNvPr>
-          <p:cNvPicPr>
-            <a:picLocks noChangeAspect="1"/>
-          </p:cNvPicPr>
-          <p:nvPr/>
-        </p:nvPicPr>
-        <p:blipFill>
-          <a:blip r:embed="rId3">
             <a:extLst>
               <a:ext uri="{28A0092B-C50C-407E-A947-70E740481C1C}">
                 <a14:useLocalDpi xmlns:a14="http://schemas.microsoft.com/office/drawing/2010/main" val="0"/>
@@ -4290,7 +4272,7 @@
           <p:nvPr/>
         </p:nvPicPr>
         <p:blipFill>
-          <a:blip r:embed="rId4">
+          <a:blip r:embed="rId3">
             <a:extLst>
               <a:ext uri="{28A0092B-C50C-407E-A947-70E740481C1C}">
                 <a14:useLocalDpi xmlns:a14="http://schemas.microsoft.com/office/drawing/2010/main" val="0"/>
@@ -4326,7 +4308,7 @@
           <p:nvPr/>
         </p:nvPicPr>
         <p:blipFill>
-          <a:blip r:embed="rId5">
+          <a:blip r:embed="rId4">
             <a:extLst>
               <a:ext uri="{28A0092B-C50C-407E-A947-70E740481C1C}">
                 <a14:useLocalDpi xmlns:a14="http://schemas.microsoft.com/office/drawing/2010/main" val="0"/>
@@ -4347,6 +4329,141 @@
           </a:prstGeom>
         </p:spPr>
       </p:pic>
+      <p:pic>
+        <p:nvPicPr>
+          <p:cNvPr id="6" name="Graphic 5">
+            <a:extLst>
+              <a:ext uri="{FF2B5EF4-FFF2-40B4-BE49-F238E27FC236}">
+                <a16:creationId xmlns:a16="http://schemas.microsoft.com/office/drawing/2014/main" id="{3420A3D8-A2CE-46ED-AF05-89A1AD0D29AB}"/>
+              </a:ext>
+            </a:extLst>
+          </p:cNvPr>
+          <p:cNvPicPr>
+            <a:picLocks noChangeAspect="1"/>
+          </p:cNvPicPr>
+          <p:nvPr/>
+        </p:nvPicPr>
+        <p:blipFill>
+          <a:blip r:embed="rId5">
+            <a:extLst>
+              <a:ext uri="{28A0092B-C50C-407E-A947-70E740481C1C}">
+                <a14:useLocalDpi xmlns:a14="http://schemas.microsoft.com/office/drawing/2010/main" val="0"/>
+              </a:ext>
+              <a:ext uri="{96DAC541-7B7A-43D3-8B79-37D633B846F1}">
+                <asvg:svgBlip xmlns:asvg="http://schemas.microsoft.com/office/drawing/2016/SVG/main" r:embed="rId6"/>
+              </a:ext>
+            </a:extLst>
+          </a:blip>
+          <a:stretch>
+            <a:fillRect/>
+          </a:stretch>
+        </p:blipFill>
+        <p:spPr>
+          <a:xfrm>
+            <a:off x="4343401" y="990600"/>
+            <a:ext cx="1600200" cy="3413760"/>
+          </a:xfrm>
+          <a:prstGeom prst="rect">
+            <a:avLst/>
+          </a:prstGeom>
+        </p:spPr>
+      </p:pic>
+      <p:grpSp>
+        <p:nvGrpSpPr>
+          <p:cNvPr id="2" name="Group 1">
+            <a:extLst>
+              <a:ext uri="{FF2B5EF4-FFF2-40B4-BE49-F238E27FC236}">
+                <a16:creationId xmlns:a16="http://schemas.microsoft.com/office/drawing/2014/main" id="{AFBBE490-137B-4DE0-84B3-8A13D099445F}"/>
+              </a:ext>
+            </a:extLst>
+          </p:cNvPr>
+          <p:cNvGrpSpPr/>
+          <p:nvPr/>
+        </p:nvGrpSpPr>
+        <p:grpSpPr>
+          <a:xfrm>
+            <a:off x="224790" y="306705"/>
+            <a:ext cx="1600200" cy="3413760"/>
+            <a:chOff x="224790" y="306705"/>
+            <a:chExt cx="1600200" cy="3413760"/>
+          </a:xfrm>
+        </p:grpSpPr>
+        <p:pic>
+          <p:nvPicPr>
+            <p:cNvPr id="8" name="Graphic 7">
+              <a:extLst>
+                <a:ext uri="{FF2B5EF4-FFF2-40B4-BE49-F238E27FC236}">
+                  <a16:creationId xmlns:a16="http://schemas.microsoft.com/office/drawing/2014/main" id="{D4F000D0-079D-4633-A26B-EADE863DB4ED}"/>
+                </a:ext>
+              </a:extLst>
+            </p:cNvPr>
+            <p:cNvPicPr>
+              <a:picLocks noChangeAspect="1"/>
+            </p:cNvPicPr>
+            <p:nvPr/>
+          </p:nvPicPr>
+          <p:blipFill>
+            <a:blip r:embed="rId5">
+              <a:extLst>
+                <a:ext uri="{28A0092B-C50C-407E-A947-70E740481C1C}">
+                  <a14:useLocalDpi xmlns:a14="http://schemas.microsoft.com/office/drawing/2010/main" val="0"/>
+                </a:ext>
+                <a:ext uri="{96DAC541-7B7A-43D3-8B79-37D633B846F1}">
+                  <asvg:svgBlip xmlns:asvg="http://schemas.microsoft.com/office/drawing/2016/SVG/main" r:embed="rId6"/>
+                </a:ext>
+              </a:extLst>
+            </a:blip>
+            <a:stretch>
+              <a:fillRect/>
+            </a:stretch>
+          </p:blipFill>
+          <p:spPr>
+            <a:xfrm>
+              <a:off x="224790" y="306705"/>
+              <a:ext cx="1600200" cy="3413760"/>
+            </a:xfrm>
+            <a:prstGeom prst="rect">
+              <a:avLst/>
+            </a:prstGeom>
+          </p:spPr>
+        </p:pic>
+        <p:pic>
+          <p:nvPicPr>
+            <p:cNvPr id="9" name="Picture 8" descr="Graphical user interface, text, application&#10;&#10;Description automatically generated">
+              <a:extLst>
+                <a:ext uri="{FF2B5EF4-FFF2-40B4-BE49-F238E27FC236}">
+                  <a16:creationId xmlns:a16="http://schemas.microsoft.com/office/drawing/2014/main" id="{04CEA8D8-6A21-4CD1-9BF3-3360B3B3A9A4}"/>
+                </a:ext>
+              </a:extLst>
+            </p:cNvPr>
+            <p:cNvPicPr>
+              <a:picLocks noChangeAspect="1"/>
+            </p:cNvPicPr>
+            <p:nvPr/>
+          </p:nvPicPr>
+          <p:blipFill>
+            <a:blip r:embed="rId7">
+              <a:extLst>
+                <a:ext uri="{28A0092B-C50C-407E-A947-70E740481C1C}">
+                  <a14:useLocalDpi xmlns:a14="http://schemas.microsoft.com/office/drawing/2010/main" val="0"/>
+                </a:ext>
+              </a:extLst>
+            </a:blip>
+            <a:stretch>
+              <a:fillRect/>
+            </a:stretch>
+          </p:blipFill>
+          <p:spPr>
+            <a:xfrm>
+              <a:off x="304800" y="533400"/>
+              <a:ext cx="1440180" cy="2960370"/>
+            </a:xfrm>
+            <a:prstGeom prst="rect">
+              <a:avLst/>
+            </a:prstGeom>
+          </p:spPr>
+        </p:pic>
+      </p:grpSp>
     </p:spTree>
     <p:extLst>
       <p:ext uri="{BB962C8B-B14F-4D97-AF65-F5344CB8AC3E}">
